--- a/Document/presentation/nam/wearptt.pptx
+++ b/Document/presentation/nam/wearptt.pptx
@@ -12,6 +12,7 @@
     <p:sldId id="319" r:id="rId6"/>
     <p:sldId id="320" r:id="rId7"/>
     <p:sldId id="321" r:id="rId8"/>
+    <p:sldId id="322" r:id="rId9"/>
   </p:sldIdLst>
   <p:sldSz cx="9144000" cy="6858000" type="screen4x3"/>
   <p:notesSz cx="6858000" cy="9144000"/>
@@ -249,7 +250,7 @@
           <a:p>
             <a:fld id="{94B1E4EC-92D8-4A33-94B0-5CDDBDDA3BE9}" type="datetimeFigureOut">
               <a:rPr lang="en-US" smtClean="0"/>
-              <a:t>12/11/2015</a:t>
+              <a:t>12/11/15</a:t>
             </a:fld>
             <a:endParaRPr lang="en-US"/>
           </a:p>
@@ -419,7 +420,7 @@
           <a:p>
             <a:fld id="{94B1E4EC-92D8-4A33-94B0-5CDDBDDA3BE9}" type="datetimeFigureOut">
               <a:rPr lang="en-US" smtClean="0"/>
-              <a:t>12/11/2015</a:t>
+              <a:t>12/11/15</a:t>
             </a:fld>
             <a:endParaRPr lang="en-US"/>
           </a:p>
@@ -599,7 +600,7 @@
           <a:p>
             <a:fld id="{94B1E4EC-92D8-4A33-94B0-5CDDBDDA3BE9}" type="datetimeFigureOut">
               <a:rPr lang="en-US" smtClean="0"/>
-              <a:t>12/11/2015</a:t>
+              <a:t>12/11/15</a:t>
             </a:fld>
             <a:endParaRPr lang="en-US"/>
           </a:p>
@@ -769,7 +770,7 @@
           <a:p>
             <a:fld id="{94B1E4EC-92D8-4A33-94B0-5CDDBDDA3BE9}" type="datetimeFigureOut">
               <a:rPr lang="en-US" smtClean="0"/>
-              <a:t>12/11/2015</a:t>
+              <a:t>12/11/15</a:t>
             </a:fld>
             <a:endParaRPr lang="en-US"/>
           </a:p>
@@ -1013,7 +1014,7 @@
           <a:p>
             <a:fld id="{94B1E4EC-92D8-4A33-94B0-5CDDBDDA3BE9}" type="datetimeFigureOut">
               <a:rPr lang="en-US" smtClean="0"/>
-              <a:t>12/11/2015</a:t>
+              <a:t>12/11/15</a:t>
             </a:fld>
             <a:endParaRPr lang="en-US"/>
           </a:p>
@@ -1245,7 +1246,7 @@
           <a:p>
             <a:fld id="{94B1E4EC-92D8-4A33-94B0-5CDDBDDA3BE9}" type="datetimeFigureOut">
               <a:rPr lang="en-US" smtClean="0"/>
-              <a:t>12/11/2015</a:t>
+              <a:t>12/11/15</a:t>
             </a:fld>
             <a:endParaRPr lang="en-US"/>
           </a:p>
@@ -1612,7 +1613,7 @@
           <a:p>
             <a:fld id="{94B1E4EC-92D8-4A33-94B0-5CDDBDDA3BE9}" type="datetimeFigureOut">
               <a:rPr lang="en-US" smtClean="0"/>
-              <a:t>12/11/2015</a:t>
+              <a:t>12/11/15</a:t>
             </a:fld>
             <a:endParaRPr lang="en-US"/>
           </a:p>
@@ -1730,7 +1731,7 @@
           <a:p>
             <a:fld id="{94B1E4EC-92D8-4A33-94B0-5CDDBDDA3BE9}" type="datetimeFigureOut">
               <a:rPr lang="en-US" smtClean="0"/>
-              <a:t>12/11/2015</a:t>
+              <a:t>12/11/15</a:t>
             </a:fld>
             <a:endParaRPr lang="en-US"/>
           </a:p>
@@ -1825,7 +1826,7 @@
           <a:p>
             <a:fld id="{94B1E4EC-92D8-4A33-94B0-5CDDBDDA3BE9}" type="datetimeFigureOut">
               <a:rPr lang="en-US" smtClean="0"/>
-              <a:t>12/11/2015</a:t>
+              <a:t>12/11/15</a:t>
             </a:fld>
             <a:endParaRPr lang="en-US"/>
           </a:p>
@@ -2102,7 +2103,7 @@
           <a:p>
             <a:fld id="{94B1E4EC-92D8-4A33-94B0-5CDDBDDA3BE9}" type="datetimeFigureOut">
               <a:rPr lang="en-US" smtClean="0"/>
-              <a:t>12/11/2015</a:t>
+              <a:t>12/11/15</a:t>
             </a:fld>
             <a:endParaRPr lang="en-US"/>
           </a:p>
@@ -2359,7 +2360,7 @@
           <a:p>
             <a:fld id="{94B1E4EC-92D8-4A33-94B0-5CDDBDDA3BE9}" type="datetimeFigureOut">
               <a:rPr lang="en-US" smtClean="0"/>
-              <a:t>12/11/2015</a:t>
+              <a:t>12/11/15</a:t>
             </a:fld>
             <a:endParaRPr lang="en-US"/>
           </a:p>
@@ -2572,7 +2573,7 @@
           <a:p>
             <a:fld id="{94B1E4EC-92D8-4A33-94B0-5CDDBDDA3BE9}" type="datetimeFigureOut">
               <a:rPr lang="en-US" smtClean="0"/>
-              <a:t>12/11/2015</a:t>
+              <a:t>12/11/15</a:t>
             </a:fld>
             <a:endParaRPr lang="en-US"/>
           </a:p>
@@ -4297,6 +4298,103 @@
 </p:sld>
 </file>
 
+<file path=ppt/slides/slide8.xml><?xml version="1.0" encoding="utf-8"?>
+<p:sld xmlns:a="http://schemas.openxmlformats.org/drawingml/2006/main" xmlns:r="http://schemas.openxmlformats.org/officeDocument/2006/relationships" xmlns:p="http://schemas.openxmlformats.org/presentationml/2006/main">
+  <p:cSld>
+    <p:spTree>
+      <p:nvGrpSpPr>
+        <p:cNvPr id="1" name=""/>
+        <p:cNvGrpSpPr/>
+        <p:nvPr/>
+      </p:nvGrpSpPr>
+      <p:grpSpPr>
+        <a:xfrm>
+          <a:off x="0" y="0"/>
+          <a:ext cx="0" cy="0"/>
+          <a:chOff x="0" y="0"/>
+          <a:chExt cx="0" cy="0"/>
+        </a:xfrm>
+      </p:grpSpPr>
+      <p:sp>
+        <p:nvSpPr>
+          <p:cNvPr id="2" name="Title 1"/>
+          <p:cNvSpPr>
+            <a:spLocks noGrp="1"/>
+          </p:cNvSpPr>
+          <p:nvPr>
+            <p:ph type="title"/>
+          </p:nvPr>
+        </p:nvSpPr>
+        <p:spPr/>
+        <p:txBody>
+          <a:bodyPr/>
+          <a:lstStyle/>
+          <a:p>
+            <a:r>
+              <a:rPr lang="en-US" dirty="0" smtClean="0"/>
+              <a:t>DEMO</a:t>
+            </a:r>
+            <a:endParaRPr lang="en-US" dirty="0"/>
+          </a:p>
+        </p:txBody>
+      </p:sp>
+      <p:sp>
+        <p:nvSpPr>
+          <p:cNvPr id="3" name="Content Placeholder 2"/>
+          <p:cNvSpPr>
+            <a:spLocks noGrp="1"/>
+          </p:cNvSpPr>
+          <p:nvPr>
+            <p:ph idx="1"/>
+          </p:nvPr>
+        </p:nvSpPr>
+        <p:spPr/>
+        <p:txBody>
+          <a:bodyPr/>
+          <a:lstStyle/>
+          <a:p>
+            <a:pPr marL="514350" indent="-514350">
+              <a:buAutoNum type="arabicPeriod"/>
+            </a:pPr>
+            <a:r>
+              <a:rPr lang="en-US" dirty="0" smtClean="0"/>
+              <a:t>Navigate each turn on motorbike</a:t>
+            </a:r>
+          </a:p>
+          <a:p>
+            <a:pPr marL="514350" indent="-514350">
+              <a:buAutoNum type="arabicPeriod"/>
+            </a:pPr>
+            <a:r>
+              <a:rPr lang="en-US" dirty="0" smtClean="0"/>
+              <a:t>Notify to user</a:t>
+            </a:r>
+          </a:p>
+          <a:p>
+            <a:pPr marL="514350" indent="-514350">
+              <a:buAutoNum type="arabicPeriod"/>
+            </a:pPr>
+            <a:r>
+              <a:rPr lang="en-US" smtClean="0"/>
+              <a:t>Notify to wear</a:t>
+            </a:r>
+            <a:endParaRPr lang="en-US" dirty="0"/>
+          </a:p>
+        </p:txBody>
+      </p:sp>
+    </p:spTree>
+    <p:extLst>
+      <p:ext uri="{BB962C8B-B14F-4D97-AF65-F5344CB8AC3E}">
+        <p14:creationId xmlns:p14="http://schemas.microsoft.com/office/powerpoint/2010/main" val="338040324"/>
+      </p:ext>
+    </p:extLst>
+  </p:cSld>
+  <p:clrMapOvr>
+    <a:masterClrMapping/>
+  </p:clrMapOvr>
+</p:sld>
+</file>
+
 <file path=ppt/theme/theme1.xml><?xml version="1.0" encoding="utf-8"?>
 <a:theme xmlns:a="http://schemas.openxmlformats.org/drawingml/2006/main" name="Office Theme">
   <a:themeElements>
